--- a/Offline/Marketing/Sales/Sales Material/AnodiamOfflineIdea.pptx
+++ b/Offline/Marketing/Sales/Sales Material/AnodiamOfflineIdea.pptx
@@ -252,7 +252,7 @@
           <a:p>
             <a:fld id="{6C99A312-3916-48C2-B0D2-2FD7FE9477F2}" type="datetimeFigureOut">
               <a:rPr lang="en-AU" smtClean="0"/>
-              <a:t>18/05/2023</a:t>
+              <a:t>28/07/2023</a:t>
             </a:fld>
             <a:endParaRPr lang="en-AU"/>
           </a:p>
@@ -422,7 +422,7 @@
           <a:p>
             <a:fld id="{6C99A312-3916-48C2-B0D2-2FD7FE9477F2}" type="datetimeFigureOut">
               <a:rPr lang="en-AU" smtClean="0"/>
-              <a:t>18/05/2023</a:t>
+              <a:t>28/07/2023</a:t>
             </a:fld>
             <a:endParaRPr lang="en-AU"/>
           </a:p>
@@ -602,7 +602,7 @@
           <a:p>
             <a:fld id="{6C99A312-3916-48C2-B0D2-2FD7FE9477F2}" type="datetimeFigureOut">
               <a:rPr lang="en-AU" smtClean="0"/>
-              <a:t>18/05/2023</a:t>
+              <a:t>28/07/2023</a:t>
             </a:fld>
             <a:endParaRPr lang="en-AU"/>
           </a:p>
@@ -772,7 +772,7 @@
           <a:p>
             <a:fld id="{6C99A312-3916-48C2-B0D2-2FD7FE9477F2}" type="datetimeFigureOut">
               <a:rPr lang="en-AU" smtClean="0"/>
-              <a:t>18/05/2023</a:t>
+              <a:t>28/07/2023</a:t>
             </a:fld>
             <a:endParaRPr lang="en-AU"/>
           </a:p>
@@ -1018,7 +1018,7 @@
           <a:p>
             <a:fld id="{6C99A312-3916-48C2-B0D2-2FD7FE9477F2}" type="datetimeFigureOut">
               <a:rPr lang="en-AU" smtClean="0"/>
-              <a:t>18/05/2023</a:t>
+              <a:t>28/07/2023</a:t>
             </a:fld>
             <a:endParaRPr lang="en-AU"/>
           </a:p>
@@ -1250,7 +1250,7 @@
           <a:p>
             <a:fld id="{6C99A312-3916-48C2-B0D2-2FD7FE9477F2}" type="datetimeFigureOut">
               <a:rPr lang="en-AU" smtClean="0"/>
-              <a:t>18/05/2023</a:t>
+              <a:t>28/07/2023</a:t>
             </a:fld>
             <a:endParaRPr lang="en-AU"/>
           </a:p>
@@ -1617,7 +1617,7 @@
           <a:p>
             <a:fld id="{6C99A312-3916-48C2-B0D2-2FD7FE9477F2}" type="datetimeFigureOut">
               <a:rPr lang="en-AU" smtClean="0"/>
-              <a:t>18/05/2023</a:t>
+              <a:t>28/07/2023</a:t>
             </a:fld>
             <a:endParaRPr lang="en-AU"/>
           </a:p>
@@ -1735,7 +1735,7 @@
           <a:p>
             <a:fld id="{6C99A312-3916-48C2-B0D2-2FD7FE9477F2}" type="datetimeFigureOut">
               <a:rPr lang="en-AU" smtClean="0"/>
-              <a:t>18/05/2023</a:t>
+              <a:t>28/07/2023</a:t>
             </a:fld>
             <a:endParaRPr lang="en-AU"/>
           </a:p>
@@ -1830,7 +1830,7 @@
           <a:p>
             <a:fld id="{6C99A312-3916-48C2-B0D2-2FD7FE9477F2}" type="datetimeFigureOut">
               <a:rPr lang="en-AU" smtClean="0"/>
-              <a:t>18/05/2023</a:t>
+              <a:t>28/07/2023</a:t>
             </a:fld>
             <a:endParaRPr lang="en-AU"/>
           </a:p>
@@ -2107,7 +2107,7 @@
           <a:p>
             <a:fld id="{6C99A312-3916-48C2-B0D2-2FD7FE9477F2}" type="datetimeFigureOut">
               <a:rPr lang="en-AU" smtClean="0"/>
-              <a:t>18/05/2023</a:t>
+              <a:t>28/07/2023</a:t>
             </a:fld>
             <a:endParaRPr lang="en-AU"/>
           </a:p>
@@ -2360,7 +2360,7 @@
           <a:p>
             <a:fld id="{6C99A312-3916-48C2-B0D2-2FD7FE9477F2}" type="datetimeFigureOut">
               <a:rPr lang="en-AU" smtClean="0"/>
-              <a:t>18/05/2023</a:t>
+              <a:t>28/07/2023</a:t>
             </a:fld>
             <a:endParaRPr lang="en-AU"/>
           </a:p>
@@ -2573,7 +2573,7 @@
           <a:p>
             <a:fld id="{6C99A312-3916-48C2-B0D2-2FD7FE9477F2}" type="datetimeFigureOut">
               <a:rPr lang="en-AU" smtClean="0"/>
-              <a:t>18/05/2023</a:t>
+              <a:t>28/07/2023</a:t>
             </a:fld>
             <a:endParaRPr lang="en-AU"/>
           </a:p>
@@ -5787,7 +5787,7 @@
           <p:cNvPr id="5" name="Picture 4">
             <a:extLst>
               <a:ext uri="{FF2B5EF4-FFF2-40B4-BE49-F238E27FC236}">
-                <a16:creationId xmlns:a16="http://schemas.microsoft.com/office/drawing/2014/main" xmlns="" id="{0448A149-205F-4DB7-BA16-50372BB73B10}"/>
+                <a16:creationId xmlns:a16="http://schemas.microsoft.com/office/drawing/2014/main" id="{0448A149-205F-4DB7-BA16-50372BB73B10}"/>
               </a:ext>
             </a:extLst>
           </p:cNvPr>
@@ -5817,7 +5817,7 @@
           <p:cNvPr id="6" name="Rectangle 5">
             <a:extLst>
               <a:ext uri="{FF2B5EF4-FFF2-40B4-BE49-F238E27FC236}">
-                <a16:creationId xmlns:a16="http://schemas.microsoft.com/office/drawing/2014/main" xmlns="" id="{A5BEDB47-6359-4DD1-B8DE-D133C69D75FC}"/>
+                <a16:creationId xmlns:a16="http://schemas.microsoft.com/office/drawing/2014/main" id="{A5BEDB47-6359-4DD1-B8DE-D133C69D75FC}"/>
               </a:ext>
             </a:extLst>
           </p:cNvPr>
@@ -5869,7 +5869,7 @@
           <p:cNvPr id="8" name="Oval 7">
             <a:extLst>
               <a:ext uri="{FF2B5EF4-FFF2-40B4-BE49-F238E27FC236}">
-                <a16:creationId xmlns:a16="http://schemas.microsoft.com/office/drawing/2014/main" xmlns="" id="{4AB62977-BF2B-4691-8B76-A15E94FF0A2A}"/>
+                <a16:creationId xmlns:a16="http://schemas.microsoft.com/office/drawing/2014/main" id="{4AB62977-BF2B-4691-8B76-A15E94FF0A2A}"/>
               </a:ext>
             </a:extLst>
           </p:cNvPr>
@@ -5921,7 +5921,7 @@
           <p:cNvPr id="7" name="Freeform: Shape 6">
             <a:extLst>
               <a:ext uri="{FF2B5EF4-FFF2-40B4-BE49-F238E27FC236}">
-                <a16:creationId xmlns:a16="http://schemas.microsoft.com/office/drawing/2014/main" xmlns="" id="{AA57FFD2-2E83-4978-98E7-ACFA6BA206E0}"/>
+                <a16:creationId xmlns:a16="http://schemas.microsoft.com/office/drawing/2014/main" id="{AA57FFD2-2E83-4978-98E7-ACFA6BA206E0}"/>
               </a:ext>
             </a:extLst>
           </p:cNvPr>
@@ -21542,7 +21542,7 @@
           <p:cNvPr id="5" name="Rectangle 4">
             <a:extLst>
               <a:ext uri="{FF2B5EF4-FFF2-40B4-BE49-F238E27FC236}">
-                <a16:creationId xmlns:a16="http://schemas.microsoft.com/office/drawing/2014/main" xmlns="" id="{7592B79F-26FA-4917-A53B-CB6FF26821A2}"/>
+                <a16:creationId xmlns:a16="http://schemas.microsoft.com/office/drawing/2014/main" id="{7592B79F-26FA-4917-A53B-CB6FF26821A2}"/>
               </a:ext>
             </a:extLst>
           </p:cNvPr>
@@ -21594,7 +21594,7 @@
           <p:cNvPr id="15" name="Rectangle 14">
             <a:extLst>
               <a:ext uri="{FF2B5EF4-FFF2-40B4-BE49-F238E27FC236}">
-                <a16:creationId xmlns:a16="http://schemas.microsoft.com/office/drawing/2014/main" xmlns="" id="{51D26925-C519-4A5B-BA93-9A764569F652}"/>
+                <a16:creationId xmlns:a16="http://schemas.microsoft.com/office/drawing/2014/main" id="{51D26925-C519-4A5B-BA93-9A764569F652}"/>
               </a:ext>
             </a:extLst>
           </p:cNvPr>
@@ -21654,7 +21654,7 @@
           <p:cNvPr id="21" name="TextBox 20">
             <a:extLst>
               <a:ext uri="{FF2B5EF4-FFF2-40B4-BE49-F238E27FC236}">
-                <a16:creationId xmlns:a16="http://schemas.microsoft.com/office/drawing/2014/main" xmlns="" id="{04C7DAED-CEF7-48EE-987F-208531DED18C}"/>
+                <a16:creationId xmlns:a16="http://schemas.microsoft.com/office/drawing/2014/main" id="{04C7DAED-CEF7-48EE-987F-208531DED18C}"/>
               </a:ext>
             </a:extLst>
           </p:cNvPr>
@@ -21697,7 +21697,7 @@
           <p:cNvPr id="22" name="Freeform 29">
             <a:extLst>
               <a:ext uri="{FF2B5EF4-FFF2-40B4-BE49-F238E27FC236}">
-                <a16:creationId xmlns:a16="http://schemas.microsoft.com/office/drawing/2014/main" xmlns="" id="{C017BBBF-41CD-401F-9D2C-E32875DCCC8C}"/>
+                <a16:creationId xmlns:a16="http://schemas.microsoft.com/office/drawing/2014/main" id="{C017BBBF-41CD-401F-9D2C-E32875DCCC8C}"/>
               </a:ext>
             </a:extLst>
           </p:cNvPr>
@@ -22112,7 +22112,7 @@
           <p:cNvPr id="25" name="TextBox 24">
             <a:extLst>
               <a:ext uri="{FF2B5EF4-FFF2-40B4-BE49-F238E27FC236}">
-                <a16:creationId xmlns:a16="http://schemas.microsoft.com/office/drawing/2014/main" xmlns="" id="{8BAFF893-8830-4D7D-9967-19C5E1177DAC}"/>
+                <a16:creationId xmlns:a16="http://schemas.microsoft.com/office/drawing/2014/main" id="{8BAFF893-8830-4D7D-9967-19C5E1177DAC}"/>
               </a:ext>
             </a:extLst>
           </p:cNvPr>
@@ -22155,7 +22155,7 @@
           <p:cNvPr id="6" name="TextBox 5">
             <a:extLst>
               <a:ext uri="{FF2B5EF4-FFF2-40B4-BE49-F238E27FC236}">
-                <a16:creationId xmlns:a16="http://schemas.microsoft.com/office/drawing/2014/main" xmlns="" id="{3169F394-4903-42AB-AA2B-528B64B3B4CC}"/>
+                <a16:creationId xmlns:a16="http://schemas.microsoft.com/office/drawing/2014/main" id="{3169F394-4903-42AB-AA2B-528B64B3B4CC}"/>
               </a:ext>
             </a:extLst>
           </p:cNvPr>
@@ -22198,7 +22198,7 @@
           <p:cNvPr id="30" name="Rectangle 29">
             <a:extLst>
               <a:ext uri="{FF2B5EF4-FFF2-40B4-BE49-F238E27FC236}">
-                <a16:creationId xmlns:a16="http://schemas.microsoft.com/office/drawing/2014/main" xmlns="" id="{5A17B9BF-1FCC-4BA2-8910-FE4173E69E89}"/>
+                <a16:creationId xmlns:a16="http://schemas.microsoft.com/office/drawing/2014/main" id="{5A17B9BF-1FCC-4BA2-8910-FE4173E69E89}"/>
               </a:ext>
             </a:extLst>
           </p:cNvPr>
@@ -22250,7 +22250,7 @@
           <p:cNvPr id="31" name="Freeform 29">
             <a:extLst>
               <a:ext uri="{FF2B5EF4-FFF2-40B4-BE49-F238E27FC236}">
-                <a16:creationId xmlns:a16="http://schemas.microsoft.com/office/drawing/2014/main" xmlns="" id="{27E97E66-5A50-4372-A41A-1799259B7D33}"/>
+                <a16:creationId xmlns:a16="http://schemas.microsoft.com/office/drawing/2014/main" id="{27E97E66-5A50-4372-A41A-1799259B7D33}"/>
               </a:ext>
             </a:extLst>
           </p:cNvPr>
@@ -22665,7 +22665,7 @@
           <p:cNvPr id="32" name="TextBox 31">
             <a:extLst>
               <a:ext uri="{FF2B5EF4-FFF2-40B4-BE49-F238E27FC236}">
-                <a16:creationId xmlns:a16="http://schemas.microsoft.com/office/drawing/2014/main" xmlns="" id="{E952E655-E60E-4AFA-B64E-25FCB8F6BFD4}"/>
+                <a16:creationId xmlns:a16="http://schemas.microsoft.com/office/drawing/2014/main" id="{E952E655-E60E-4AFA-B64E-25FCB8F6BFD4}"/>
               </a:ext>
             </a:extLst>
           </p:cNvPr>
@@ -22708,7 +22708,7 @@
           <p:cNvPr id="33" name="TextBox 32">
             <a:extLst>
               <a:ext uri="{FF2B5EF4-FFF2-40B4-BE49-F238E27FC236}">
-                <a16:creationId xmlns:a16="http://schemas.microsoft.com/office/drawing/2014/main" xmlns="" id="{EAFBA4D3-4B87-4F17-8937-24B89DFEEBE9}"/>
+                <a16:creationId xmlns:a16="http://schemas.microsoft.com/office/drawing/2014/main" id="{EAFBA4D3-4B87-4F17-8937-24B89DFEEBE9}"/>
               </a:ext>
             </a:extLst>
           </p:cNvPr>
@@ -22787,7 +22787,7 @@
           <p:cNvPr id="27" name="Freeform: Shape 26">
             <a:extLst>
               <a:ext uri="{FF2B5EF4-FFF2-40B4-BE49-F238E27FC236}">
-                <a16:creationId xmlns:a16="http://schemas.microsoft.com/office/drawing/2014/main" xmlns="" id="{567CC9D9-C264-4D2E-89A3-D0A3F8F30A16}"/>
+                <a16:creationId xmlns:a16="http://schemas.microsoft.com/office/drawing/2014/main" id="{567CC9D9-C264-4D2E-89A3-D0A3F8F30A16}"/>
               </a:ext>
             </a:extLst>
           </p:cNvPr>
